--- a/doc/傳捷門控使用方式.pptx
+++ b/doc/傳捷門控使用方式.pptx
@@ -199,7 +199,7 @@
           <a:p>
             <a:fld id="{41DE9523-40B8-4687-9871-978BEEE945DF}" type="datetimeFigureOut">
               <a:rPr lang="zh-TW" altLang="en-US" smtClean="0"/>
-              <a:t>2014/12/2</a:t>
+              <a:t>2014/12/3</a:t>
             </a:fld>
             <a:endParaRPr lang="zh-TW" altLang="en-US"/>
           </a:p>
@@ -1190,7 +1190,7 @@
             <a:fld id="{B61BEF0D-F0BB-DE4B-95CE-6DB70DBA9567}" type="datetimeFigureOut">
               <a:rPr lang="en-US" smtClean="0"/>
               <a:pPr/>
-              <a:t>12/2/2014</a:t>
+              <a:t>12/3/2014</a:t>
             </a:fld>
             <a:endParaRPr lang="en-US" dirty="0"/>
           </a:p>
@@ -1443,7 +1443,7 @@
             <a:fld id="{B61BEF0D-F0BB-DE4B-95CE-6DB70DBA9567}" type="datetimeFigureOut">
               <a:rPr lang="en-US" smtClean="0"/>
               <a:pPr/>
-              <a:t>12/2/2014</a:t>
+              <a:t>12/3/2014</a:t>
             </a:fld>
             <a:endParaRPr lang="en-US" dirty="0"/>
           </a:p>
@@ -1759,7 +1759,7 @@
             <a:fld id="{B61BEF0D-F0BB-DE4B-95CE-6DB70DBA9567}" type="datetimeFigureOut">
               <a:rPr lang="en-US" smtClean="0"/>
               <a:pPr/>
-              <a:t>12/2/2014</a:t>
+              <a:t>12/3/2014</a:t>
             </a:fld>
             <a:endParaRPr lang="en-US" dirty="0"/>
           </a:p>
@@ -2102,7 +2102,7 @@
             <a:fld id="{B61BEF0D-F0BB-DE4B-95CE-6DB70DBA9567}" type="datetimeFigureOut">
               <a:rPr lang="en-US" smtClean="0"/>
               <a:pPr/>
-              <a:t>12/2/2014</a:t>
+              <a:t>12/3/2014</a:t>
             </a:fld>
             <a:endParaRPr lang="en-US" dirty="0"/>
           </a:p>
@@ -2418,7 +2418,7 @@
             <a:fld id="{B61BEF0D-F0BB-DE4B-95CE-6DB70DBA9567}" type="datetimeFigureOut">
               <a:rPr lang="en-US" smtClean="0"/>
               <a:pPr/>
-              <a:t>12/2/2014</a:t>
+              <a:t>12/3/2014</a:t>
             </a:fld>
             <a:endParaRPr lang="en-US" dirty="0"/>
           </a:p>
@@ -2813,7 +2813,7 @@
             <a:fld id="{B61BEF0D-F0BB-DE4B-95CE-6DB70DBA9567}" type="datetimeFigureOut">
               <a:rPr lang="en-US" smtClean="0"/>
               <a:pPr/>
-              <a:t>12/2/2014</a:t>
+              <a:t>12/3/2014</a:t>
             </a:fld>
             <a:endParaRPr lang="en-US" dirty="0"/>
           </a:p>
@@ -2985,7 +2985,7 @@
             <a:fld id="{B61BEF0D-F0BB-DE4B-95CE-6DB70DBA9567}" type="datetimeFigureOut">
               <a:rPr lang="en-US" smtClean="0"/>
               <a:pPr/>
-              <a:t>12/2/2014</a:t>
+              <a:t>12/3/2014</a:t>
             </a:fld>
             <a:endParaRPr lang="en-US" dirty="0"/>
           </a:p>
@@ -3167,7 +3167,7 @@
             <a:fld id="{B61BEF0D-F0BB-DE4B-95CE-6DB70DBA9567}" type="datetimeFigureOut">
               <a:rPr lang="en-US" smtClean="0"/>
               <a:pPr/>
-              <a:t>12/2/2014</a:t>
+              <a:t>12/3/2014</a:t>
             </a:fld>
             <a:endParaRPr lang="en-US" dirty="0"/>
           </a:p>
@@ -3345,7 +3345,7 @@
             <a:fld id="{B61BEF0D-F0BB-DE4B-95CE-6DB70DBA9567}" type="datetimeFigureOut">
               <a:rPr lang="en-US" smtClean="0"/>
               <a:pPr/>
-              <a:t>12/2/2014</a:t>
+              <a:t>12/3/2014</a:t>
             </a:fld>
             <a:endParaRPr lang="en-US" dirty="0"/>
           </a:p>
@@ -3594,7 +3594,7 @@
             <a:fld id="{B61BEF0D-F0BB-DE4B-95CE-6DB70DBA9567}" type="datetimeFigureOut">
               <a:rPr lang="en-US" smtClean="0"/>
               <a:pPr/>
-              <a:t>12/2/2014</a:t>
+              <a:t>12/3/2014</a:t>
             </a:fld>
             <a:endParaRPr lang="en-US" dirty="0"/>
           </a:p>
@@ -3828,7 +3828,7 @@
             <a:fld id="{B61BEF0D-F0BB-DE4B-95CE-6DB70DBA9567}" type="datetimeFigureOut">
               <a:rPr lang="en-US" smtClean="0"/>
               <a:pPr/>
-              <a:t>12/2/2014</a:t>
+              <a:t>12/3/2014</a:t>
             </a:fld>
             <a:endParaRPr lang="en-US" dirty="0"/>
           </a:p>
@@ -4204,7 +4204,7 @@
             <a:fld id="{B61BEF0D-F0BB-DE4B-95CE-6DB70DBA9567}" type="datetimeFigureOut">
               <a:rPr lang="en-US" smtClean="0"/>
               <a:pPr/>
-              <a:t>12/2/2014</a:t>
+              <a:t>12/3/2014</a:t>
             </a:fld>
             <a:endParaRPr lang="en-US" dirty="0"/>
           </a:p>
@@ -4329,7 +4329,7 @@
             <a:fld id="{B61BEF0D-F0BB-DE4B-95CE-6DB70DBA9567}" type="datetimeFigureOut">
               <a:rPr lang="en-US" smtClean="0"/>
               <a:pPr/>
-              <a:t>12/2/2014</a:t>
+              <a:t>12/3/2014</a:t>
             </a:fld>
             <a:endParaRPr lang="en-US" dirty="0"/>
           </a:p>
@@ -4426,7 +4426,7 @@
             <a:fld id="{B61BEF0D-F0BB-DE4B-95CE-6DB70DBA9567}" type="datetimeFigureOut">
               <a:rPr lang="en-US" smtClean="0"/>
               <a:pPr/>
-              <a:t>12/2/2014</a:t>
+              <a:t>12/3/2014</a:t>
             </a:fld>
             <a:endParaRPr lang="en-US" dirty="0"/>
           </a:p>
@@ -4683,7 +4683,7 @@
             <a:fld id="{B61BEF0D-F0BB-DE4B-95CE-6DB70DBA9567}" type="datetimeFigureOut">
               <a:rPr lang="en-US" smtClean="0"/>
               <a:pPr/>
-              <a:t>12/2/2014</a:t>
+              <a:t>12/3/2014</a:t>
             </a:fld>
             <a:endParaRPr lang="en-US" dirty="0"/>
           </a:p>
@@ -4948,7 +4948,7 @@
             <a:fld id="{B61BEF0D-F0BB-DE4B-95CE-6DB70DBA9567}" type="datetimeFigureOut">
               <a:rPr lang="en-US" smtClean="0"/>
               <a:pPr/>
-              <a:t>12/2/2014</a:t>
+              <a:t>12/3/2014</a:t>
             </a:fld>
             <a:endParaRPr lang="en-US" dirty="0"/>
           </a:p>
@@ -5693,7 +5693,7 @@
             <a:fld id="{B61BEF0D-F0BB-DE4B-95CE-6DB70DBA9567}" type="datetimeFigureOut">
               <a:rPr lang="en-US" smtClean="0"/>
               <a:pPr/>
-              <a:t>12/2/2014</a:t>
+              <a:t>12/3/2014</a:t>
             </a:fld>
             <a:endParaRPr lang="en-US" dirty="0"/>
           </a:p>
